--- a/Instructions_Pictures/DCT/Female/DigitInstTomerOmer.pptx
+++ b/Instructions_Pictures/DCT/Female/DigitInstTomerOmer.pptx
@@ -252,7 +252,7 @@
           <a:p>
             <a:fld id="{4476BBAF-3BF1-4078-A5DF-44D473DCBE61}" type="datetimeFigureOut">
               <a:rPr lang="he-IL" smtClean="0"/>
-              <a:t>ג'/אלול/תשפ"א</a:t>
+              <a:t>י"ג/כסלו/תשפ"ב</a:t>
             </a:fld>
             <a:endParaRPr lang="he-IL"/>
           </a:p>
@@ -422,7 +422,7 @@
           <a:p>
             <a:fld id="{4476BBAF-3BF1-4078-A5DF-44D473DCBE61}" type="datetimeFigureOut">
               <a:rPr lang="he-IL" smtClean="0"/>
-              <a:t>ג'/אלול/תשפ"א</a:t>
+              <a:t>י"ג/כסלו/תשפ"ב</a:t>
             </a:fld>
             <a:endParaRPr lang="he-IL"/>
           </a:p>
@@ -602,7 +602,7 @@
           <a:p>
             <a:fld id="{4476BBAF-3BF1-4078-A5DF-44D473DCBE61}" type="datetimeFigureOut">
               <a:rPr lang="he-IL" smtClean="0"/>
-              <a:t>ג'/אלול/תשפ"א</a:t>
+              <a:t>י"ג/כסלו/תשפ"ב</a:t>
             </a:fld>
             <a:endParaRPr lang="he-IL"/>
           </a:p>
@@ -772,7 +772,7 @@
           <a:p>
             <a:fld id="{4476BBAF-3BF1-4078-A5DF-44D473DCBE61}" type="datetimeFigureOut">
               <a:rPr lang="he-IL" smtClean="0"/>
-              <a:t>ג'/אלול/תשפ"א</a:t>
+              <a:t>י"ג/כסלו/תשפ"ב</a:t>
             </a:fld>
             <a:endParaRPr lang="he-IL"/>
           </a:p>
@@ -1018,7 +1018,7 @@
           <a:p>
             <a:fld id="{4476BBAF-3BF1-4078-A5DF-44D473DCBE61}" type="datetimeFigureOut">
               <a:rPr lang="he-IL" smtClean="0"/>
-              <a:t>ג'/אלול/תשפ"א</a:t>
+              <a:t>י"ג/כסלו/תשפ"ב</a:t>
             </a:fld>
             <a:endParaRPr lang="he-IL"/>
           </a:p>
@@ -1250,7 +1250,7 @@
           <a:p>
             <a:fld id="{4476BBAF-3BF1-4078-A5DF-44D473DCBE61}" type="datetimeFigureOut">
               <a:rPr lang="he-IL" smtClean="0"/>
-              <a:t>ג'/אלול/תשפ"א</a:t>
+              <a:t>י"ג/כסלו/תשפ"ב</a:t>
             </a:fld>
             <a:endParaRPr lang="he-IL"/>
           </a:p>
@@ -1617,7 +1617,7 @@
           <a:p>
             <a:fld id="{4476BBAF-3BF1-4078-A5DF-44D473DCBE61}" type="datetimeFigureOut">
               <a:rPr lang="he-IL" smtClean="0"/>
-              <a:t>ג'/אלול/תשפ"א</a:t>
+              <a:t>י"ג/כסלו/תשפ"ב</a:t>
             </a:fld>
             <a:endParaRPr lang="he-IL"/>
           </a:p>
@@ -1735,7 +1735,7 @@
           <a:p>
             <a:fld id="{4476BBAF-3BF1-4078-A5DF-44D473DCBE61}" type="datetimeFigureOut">
               <a:rPr lang="he-IL" smtClean="0"/>
-              <a:t>ג'/אלול/תשפ"א</a:t>
+              <a:t>י"ג/כסלו/תשפ"ב</a:t>
             </a:fld>
             <a:endParaRPr lang="he-IL"/>
           </a:p>
@@ -1830,7 +1830,7 @@
           <a:p>
             <a:fld id="{4476BBAF-3BF1-4078-A5DF-44D473DCBE61}" type="datetimeFigureOut">
               <a:rPr lang="he-IL" smtClean="0"/>
-              <a:t>ג'/אלול/תשפ"א</a:t>
+              <a:t>י"ג/כסלו/תשפ"ב</a:t>
             </a:fld>
             <a:endParaRPr lang="he-IL"/>
           </a:p>
@@ -2107,7 +2107,7 @@
           <a:p>
             <a:fld id="{4476BBAF-3BF1-4078-A5DF-44D473DCBE61}" type="datetimeFigureOut">
               <a:rPr lang="he-IL" smtClean="0"/>
-              <a:t>ג'/אלול/תשפ"א</a:t>
+              <a:t>י"ג/כסלו/תשפ"ב</a:t>
             </a:fld>
             <a:endParaRPr lang="he-IL"/>
           </a:p>
@@ -2360,7 +2360,7 @@
           <a:p>
             <a:fld id="{4476BBAF-3BF1-4078-A5DF-44D473DCBE61}" type="datetimeFigureOut">
               <a:rPr lang="he-IL" smtClean="0"/>
-              <a:t>ג'/אלול/תשפ"א</a:t>
+              <a:t>י"ג/כסלו/תשפ"ב</a:t>
             </a:fld>
             <a:endParaRPr lang="he-IL"/>
           </a:p>
@@ -2573,7 +2573,7 @@
           <a:p>
             <a:fld id="{4476BBAF-3BF1-4078-A5DF-44D473DCBE61}" type="datetimeFigureOut">
               <a:rPr lang="he-IL" smtClean="0"/>
-              <a:t>ג'/אלול/תשפ"א</a:t>
+              <a:t>י"ג/כסלו/תשפ"ב</a:t>
             </a:fld>
             <a:endParaRPr lang="he-IL"/>
           </a:p>
@@ -3073,6 +3073,16 @@
               </a:lnSpc>
             </a:pPr>
             <a:r>
+              <a:rPr lang="he-IL" sz="2400">
+                <a:solidFill>
+                  <a:schemeClr val="tx1"/>
+                </a:solidFill>
+                <a:latin typeface="David" panose="020E0502060401010101" pitchFamily="34" charset="-79"/>
+                <a:cs typeface="David" panose="020E0502060401010101" pitchFamily="34" charset="-79"/>
+              </a:rPr>
+              <a:t>כעת תתבקש</a:t>
+            </a:r>
+            <a:r>
               <a:rPr lang="he-IL" sz="2400" dirty="0">
                 <a:solidFill>
                   <a:schemeClr val="tx1"/>
@@ -3080,17 +3090,17 @@
                 <a:latin typeface="David" panose="020E0502060401010101" pitchFamily="34" charset="-79"/>
                 <a:cs typeface="David" panose="020E0502060401010101" pitchFamily="34" charset="-79"/>
               </a:rPr>
-              <a:t>כעת תתבקש</a:t>
-            </a:r>
-            <a:r>
-              <a:rPr lang="en-GB" sz="2400" dirty="0">
+              <a:t>י</a:t>
+            </a:r>
+            <a:r>
+              <a:rPr lang="he-IL" sz="2400">
                 <a:solidFill>
                   <a:schemeClr val="tx1"/>
                 </a:solidFill>
                 <a:latin typeface="David" panose="020E0502060401010101" pitchFamily="34" charset="-79"/>
                 <a:cs typeface="David" panose="020E0502060401010101" pitchFamily="34" charset="-79"/>
               </a:rPr>
-              <a:t>h</a:t>
+              <a:t> </a:t>
             </a:r>
             <a:r>
               <a:rPr lang="he-IL" sz="2400" dirty="0">
@@ -3100,7 +3110,7 @@
                 <a:latin typeface="David" panose="020E0502060401010101" pitchFamily="34" charset="-79"/>
                 <a:cs typeface="David" panose="020E0502060401010101" pitchFamily="34" charset="-79"/>
               </a:rPr>
-              <a:t> לבצע מטלה ממוחשבת נוספת.</a:t>
+              <a:t>לבצע מטלה ממוחשבת נוספת.</a:t>
             </a:r>
           </a:p>
           <a:p>
